--- a/assets/lectures/cshl/2024/full/RNASeq_Module3_AbundanceEstimation_DifferentialExpression.pptx
+++ b/assets/lectures/cshl/2024/full/RNASeq_Module3_AbundanceEstimation_DifferentialExpression.pptx
@@ -220,7 +220,7 @@
           <a:p>
             <a:fld id="{827BD9F9-8452-A342-BB1B-28ECF19E2CC5}" type="datetimeFigureOut">
               <a:rPr lang="en-US" smtClean="0"/>
-              <a:t>11/13/24</a:t>
+              <a:t>11/15/24</a:t>
             </a:fld>
             <a:endParaRPr lang="en-US"/>
           </a:p>
@@ -2990,14 +2990,14 @@
           </a:ln>
           <a:extLst>
             <a:ext uri="{909E8E84-426E-40dd-AFC4-6F175D3DCCD1}">
-              <a14:hiddenFill xmlns="" xmlns:a14="http://schemas.microsoft.com/office/drawing/2010/main">
+              <a14:hiddenFill xmlns:a14="http://schemas.microsoft.com/office/drawing/2010/main" xmlns="">
                 <a:solidFill>
                   <a:srgbClr val="FFFFFF"/>
                 </a:solidFill>
               </a14:hiddenFill>
             </a:ext>
             <a:ext uri="{91240B29-F687-4f45-9708-019B960494DF}">
-              <a14:hiddenLine xmlns="" xmlns:a14="http://schemas.microsoft.com/office/drawing/2010/main" w="9525">
+              <a14:hiddenLine xmlns:a14="http://schemas.microsoft.com/office/drawing/2010/main" xmlns="" w="9525">
                 <a:solidFill>
                   <a:srgbClr val="000000"/>
                 </a:solidFill>
@@ -3247,14 +3247,14 @@
           </a:ln>
           <a:extLst>
             <a:ext uri="{909E8E84-426E-40dd-AFC4-6F175D3DCCD1}">
-              <a14:hiddenFill xmlns="" xmlns:a14="http://schemas.microsoft.com/office/drawing/2010/main">
+              <a14:hiddenFill xmlns:a14="http://schemas.microsoft.com/office/drawing/2010/main" xmlns="">
                 <a:solidFill>
                   <a:srgbClr val="FFFFFF"/>
                 </a:solidFill>
               </a14:hiddenFill>
             </a:ext>
             <a:ext uri="{91240B29-F687-4f45-9708-019B960494DF}">
-              <a14:hiddenLine xmlns="" xmlns:a14="http://schemas.microsoft.com/office/drawing/2010/main" w="9525">
+              <a14:hiddenLine xmlns:a14="http://schemas.microsoft.com/office/drawing/2010/main" xmlns="" w="9525">
                 <a:solidFill>
                   <a:srgbClr val="000000"/>
                 </a:solidFill>
@@ -4767,14 +4767,14 @@
           </a:ln>
           <a:extLst>
             <a:ext uri="{909E8E84-426E-40dd-AFC4-6F175D3DCCD1}">
-              <a14:hiddenFill xmlns="" xmlns:a14="http://schemas.microsoft.com/office/drawing/2010/main">
+              <a14:hiddenFill xmlns:a14="http://schemas.microsoft.com/office/drawing/2010/main" xmlns="">
                 <a:solidFill>
                   <a:srgbClr val="FFFFFF"/>
                 </a:solidFill>
               </a14:hiddenFill>
             </a:ext>
             <a:ext uri="{91240B29-F687-4f45-9708-019B960494DF}">
-              <a14:hiddenLine xmlns="" xmlns:a14="http://schemas.microsoft.com/office/drawing/2010/main" w="9525">
+              <a14:hiddenLine xmlns:a14="http://schemas.microsoft.com/office/drawing/2010/main" xmlns="" w="9525">
                 <a:solidFill>
                   <a:srgbClr val="000000"/>
                 </a:solidFill>
@@ -5461,14 +5461,14 @@
           </a:ln>
           <a:extLst>
             <a:ext uri="{909E8E84-426E-40dd-AFC4-6F175D3DCCD1}">
-              <a14:hiddenFill xmlns="" xmlns:a14="http://schemas.microsoft.com/office/drawing/2010/main">
+              <a14:hiddenFill xmlns:a14="http://schemas.microsoft.com/office/drawing/2010/main" xmlns="">
                 <a:solidFill>
                   <a:srgbClr val="FFFFFF"/>
                 </a:solidFill>
               </a14:hiddenFill>
             </a:ext>
             <a:ext uri="{91240B29-F687-4f45-9708-019B960494DF}">
-              <a14:hiddenLine xmlns="" xmlns:a14="http://schemas.microsoft.com/office/drawing/2010/main" w="9525">
+              <a14:hiddenLine xmlns:a14="http://schemas.microsoft.com/office/drawing/2010/main" xmlns="" w="9525">
                 <a:solidFill>
                   <a:srgbClr val="000000"/>
                 </a:solidFill>
@@ -5765,14 +5765,14 @@
           </a:ln>
           <a:extLst>
             <a:ext uri="{909E8E84-426E-40dd-AFC4-6F175D3DCCD1}">
-              <a14:hiddenFill xmlns:a14="http://schemas.microsoft.com/office/drawing/2010/main" xmlns="">
+              <a14:hiddenFill xmlns="" xmlns:a14="http://schemas.microsoft.com/office/drawing/2010/main">
                 <a:solidFill>
                   <a:srgbClr val="FFFFFF"/>
                 </a:solidFill>
               </a14:hiddenFill>
             </a:ext>
             <a:ext uri="{91240B29-F687-4f45-9708-019B960494DF}">
-              <a14:hiddenLine xmlns:a14="http://schemas.microsoft.com/office/drawing/2010/main" xmlns="" w="9525">
+              <a14:hiddenLine xmlns="" xmlns:a14="http://schemas.microsoft.com/office/drawing/2010/main" w="9525">
                 <a:solidFill>
                   <a:srgbClr val="000000"/>
                 </a:solidFill>
@@ -8180,14 +8180,14 @@
           </a:ln>
           <a:extLst>
             <a:ext uri="{909E8E84-426E-40dd-AFC4-6F175D3DCCD1}">
-              <a14:hiddenFill xmlns:a14="http://schemas.microsoft.com/office/drawing/2010/main" xmlns="">
+              <a14:hiddenFill xmlns="" xmlns:a14="http://schemas.microsoft.com/office/drawing/2010/main">
                 <a:solidFill>
                   <a:srgbClr val="FFFFFF"/>
                 </a:solidFill>
               </a14:hiddenFill>
             </a:ext>
             <a:ext uri="{91240B29-F687-4f45-9708-019B960494DF}">
-              <a14:hiddenLine xmlns:a14="http://schemas.microsoft.com/office/drawing/2010/main" xmlns="" w="9525">
+              <a14:hiddenLine xmlns="" xmlns:a14="http://schemas.microsoft.com/office/drawing/2010/main" w="9525">
                 <a:solidFill>
                   <a:srgbClr val="000000"/>
                 </a:solidFill>
@@ -8377,14 +8377,14 @@
           </a:ln>
           <a:extLst>
             <a:ext uri="{909E8E84-426E-40dd-AFC4-6F175D3DCCD1}">
-              <a14:hiddenFill xmlns:a14="http://schemas.microsoft.com/office/drawing/2010/main" xmlns="">
+              <a14:hiddenFill xmlns="" xmlns:a14="http://schemas.microsoft.com/office/drawing/2010/main">
                 <a:solidFill>
                   <a:srgbClr val="FFFFFF"/>
                 </a:solidFill>
               </a14:hiddenFill>
             </a:ext>
             <a:ext uri="{91240B29-F687-4f45-9708-019B960494DF}">
-              <a14:hiddenLine xmlns:a14="http://schemas.microsoft.com/office/drawing/2010/main" xmlns="" w="9525">
+              <a14:hiddenLine xmlns="" xmlns:a14="http://schemas.microsoft.com/office/drawing/2010/main" w="9525">
                 <a:solidFill>
                   <a:srgbClr val="000000"/>
                 </a:solidFill>
@@ -9713,14 +9713,14 @@
           </a:ln>
           <a:extLst>
             <a:ext uri="{909E8E84-426E-40dd-AFC4-6F175D3DCCD1}">
-              <a14:hiddenFill xmlns:a14="http://schemas.microsoft.com/office/drawing/2010/main" xmlns="">
+              <a14:hiddenFill xmlns="" xmlns:a14="http://schemas.microsoft.com/office/drawing/2010/main">
                 <a:solidFill>
                   <a:srgbClr val="FFFFFF"/>
                 </a:solidFill>
               </a14:hiddenFill>
             </a:ext>
             <a:ext uri="{91240B29-F687-4f45-9708-019B960494DF}">
-              <a14:hiddenLine xmlns:a14="http://schemas.microsoft.com/office/drawing/2010/main" xmlns="" w="9525">
+              <a14:hiddenLine xmlns="" xmlns:a14="http://schemas.microsoft.com/office/drawing/2010/main" w="9525">
                 <a:solidFill>
                   <a:srgbClr val="000000"/>
                 </a:solidFill>
@@ -10201,14 +10201,14 @@
             </a:ln>
             <a:extLst>
               <a:ext uri="{909E8E84-426E-40dd-AFC4-6F175D3DCCD1}">
-                <a14:hiddenFill xmlns:a14="http://schemas.microsoft.com/office/drawing/2010/main" xmlns="">
+                <a14:hiddenFill xmlns="" xmlns:a14="http://schemas.microsoft.com/office/drawing/2010/main">
                   <a:solidFill>
                     <a:srgbClr val="FFFFFF"/>
                   </a:solidFill>
                 </a14:hiddenFill>
               </a:ext>
               <a:ext uri="{91240B29-F687-4f45-9708-019B960494DF}">
-                <a14:hiddenLine xmlns:a14="http://schemas.microsoft.com/office/drawing/2010/main" xmlns="" w="9525">
+                <a14:hiddenLine xmlns="" xmlns:a14="http://schemas.microsoft.com/office/drawing/2010/main" w="9525">
                   <a:solidFill>
                     <a:srgbClr val="000000"/>
                   </a:solidFill>
@@ -10520,14 +10520,14 @@
             </a:ln>
             <a:extLst>
               <a:ext uri="{909E8E84-426E-40dd-AFC4-6F175D3DCCD1}">
-                <a14:hiddenFill xmlns:a14="http://schemas.microsoft.com/office/drawing/2010/main" xmlns="">
+                <a14:hiddenFill xmlns="" xmlns:a14="http://schemas.microsoft.com/office/drawing/2010/main">
                   <a:solidFill>
                     <a:srgbClr val="FFFFFF"/>
                   </a:solidFill>
                 </a14:hiddenFill>
               </a:ext>
               <a:ext uri="{91240B29-F687-4f45-9708-019B960494DF}">
-                <a14:hiddenLine xmlns:a14="http://schemas.microsoft.com/office/drawing/2010/main" xmlns="" w="9525">
+                <a14:hiddenLine xmlns="" xmlns:a14="http://schemas.microsoft.com/office/drawing/2010/main" w="9525">
                   <a:solidFill>
                     <a:srgbClr val="000000"/>
                   </a:solidFill>
@@ -10853,14 +10853,14 @@
             </a:ln>
             <a:extLst>
               <a:ext uri="{909E8E84-426E-40dd-AFC4-6F175D3DCCD1}">
-                <a14:hiddenFill xmlns:a14="http://schemas.microsoft.com/office/drawing/2010/main" xmlns="">
+                <a14:hiddenFill xmlns="" xmlns:a14="http://schemas.microsoft.com/office/drawing/2010/main">
                   <a:solidFill>
                     <a:srgbClr val="FFFFFF"/>
                   </a:solidFill>
                 </a14:hiddenFill>
               </a:ext>
               <a:ext uri="{91240B29-F687-4f45-9708-019B960494DF}">
-                <a14:hiddenLine xmlns:a14="http://schemas.microsoft.com/office/drawing/2010/main" xmlns="" w="9525">
+                <a14:hiddenLine xmlns="" xmlns:a14="http://schemas.microsoft.com/office/drawing/2010/main" w="9525">
                   <a:solidFill>
                     <a:srgbClr val="000000"/>
                   </a:solidFill>
@@ -11186,14 +11186,14 @@
             </a:ln>
             <a:extLst>
               <a:ext uri="{909E8E84-426E-40dd-AFC4-6F175D3DCCD1}">
-                <a14:hiddenFill xmlns:a14="http://schemas.microsoft.com/office/drawing/2010/main" xmlns="">
+                <a14:hiddenFill xmlns="" xmlns:a14="http://schemas.microsoft.com/office/drawing/2010/main">
                   <a:solidFill>
                     <a:srgbClr val="FFFFFF"/>
                   </a:solidFill>
                 </a14:hiddenFill>
               </a:ext>
               <a:ext uri="{91240B29-F687-4f45-9708-019B960494DF}">
-                <a14:hiddenLine xmlns:a14="http://schemas.microsoft.com/office/drawing/2010/main" xmlns="" w="9525">
+                <a14:hiddenLine xmlns="" xmlns:a14="http://schemas.microsoft.com/office/drawing/2010/main" w="9525">
                   <a:solidFill>
                     <a:srgbClr val="000000"/>
                   </a:solidFill>
@@ -11519,14 +11519,14 @@
             </a:ln>
             <a:extLst>
               <a:ext uri="{909E8E84-426E-40dd-AFC4-6F175D3DCCD1}">
-                <a14:hiddenFill xmlns:a14="http://schemas.microsoft.com/office/drawing/2010/main" xmlns="">
+                <a14:hiddenFill xmlns="" xmlns:a14="http://schemas.microsoft.com/office/drawing/2010/main">
                   <a:solidFill>
                     <a:srgbClr val="FFFFFF"/>
                   </a:solidFill>
                 </a14:hiddenFill>
               </a:ext>
               <a:ext uri="{91240B29-F687-4f45-9708-019B960494DF}">
-                <a14:hiddenLine xmlns:a14="http://schemas.microsoft.com/office/drawing/2010/main" xmlns="" w="9525">
+                <a14:hiddenLine xmlns="" xmlns:a14="http://schemas.microsoft.com/office/drawing/2010/main" w="9525">
                   <a:solidFill>
                     <a:srgbClr val="000000"/>
                   </a:solidFill>
@@ -11855,14 +11855,14 @@
             </a:ln>
             <a:extLst>
               <a:ext uri="{909E8E84-426E-40dd-AFC4-6F175D3DCCD1}">
-                <a14:hiddenFill xmlns:a14="http://schemas.microsoft.com/office/drawing/2010/main" xmlns="">
+                <a14:hiddenFill xmlns="" xmlns:a14="http://schemas.microsoft.com/office/drawing/2010/main">
                   <a:solidFill>
                     <a:srgbClr val="FFFFFF"/>
                   </a:solidFill>
                 </a14:hiddenFill>
               </a:ext>
               <a:ext uri="{91240B29-F687-4f45-9708-019B960494DF}">
-                <a14:hiddenLine xmlns:a14="http://schemas.microsoft.com/office/drawing/2010/main" xmlns="" w="9525">
+                <a14:hiddenLine xmlns="" xmlns:a14="http://schemas.microsoft.com/office/drawing/2010/main" w="9525">
                   <a:solidFill>
                     <a:srgbClr val="000000"/>
                   </a:solidFill>
@@ -12884,14 +12884,14 @@
           </a:ln>
           <a:extLst>
             <a:ext uri="{909E8E84-426E-40dd-AFC4-6F175D3DCCD1}">
-              <a14:hiddenFill xmlns:a14="http://schemas.microsoft.com/office/drawing/2010/main" xmlns="">
+              <a14:hiddenFill xmlns="" xmlns:a14="http://schemas.microsoft.com/office/drawing/2010/main">
                 <a:solidFill>
                   <a:srgbClr val="FFFFFF"/>
                 </a:solidFill>
               </a14:hiddenFill>
             </a:ext>
             <a:ext uri="{91240B29-F687-4f45-9708-019B960494DF}">
-              <a14:hiddenLine xmlns:a14="http://schemas.microsoft.com/office/drawing/2010/main" xmlns="" w="9525">
+              <a14:hiddenLine xmlns="" xmlns:a14="http://schemas.microsoft.com/office/drawing/2010/main" w="9525">
                 <a:solidFill>
                   <a:srgbClr val="000000"/>
                 </a:solidFill>
